--- a/9. Среда разработки/Среда разработки.pptx
+++ b/9. Среда разработки/Среда разработки.pptx
@@ -9,19 +9,20 @@
     <p:sldId id="260" r:id="rId3"/>
     <p:sldId id="261" r:id="rId4"/>
     <p:sldId id="263" r:id="rId5"/>
-    <p:sldId id="268" r:id="rId6"/>
-    <p:sldId id="269" r:id="rId7"/>
-    <p:sldId id="266" r:id="rId8"/>
-    <p:sldId id="271" r:id="rId9"/>
-    <p:sldId id="274" r:id="rId10"/>
-    <p:sldId id="270" r:id="rId11"/>
-    <p:sldId id="275" r:id="rId12"/>
-    <p:sldId id="272" r:id="rId13"/>
-    <p:sldId id="265" r:id="rId14"/>
-    <p:sldId id="276" r:id="rId15"/>
-    <p:sldId id="267" r:id="rId16"/>
-    <p:sldId id="277" r:id="rId17"/>
-    <p:sldId id="258" r:id="rId18"/>
+    <p:sldId id="278" r:id="rId6"/>
+    <p:sldId id="268" r:id="rId7"/>
+    <p:sldId id="269" r:id="rId8"/>
+    <p:sldId id="266" r:id="rId9"/>
+    <p:sldId id="271" r:id="rId10"/>
+    <p:sldId id="274" r:id="rId11"/>
+    <p:sldId id="270" r:id="rId12"/>
+    <p:sldId id="275" r:id="rId13"/>
+    <p:sldId id="272" r:id="rId14"/>
+    <p:sldId id="265" r:id="rId15"/>
+    <p:sldId id="276" r:id="rId16"/>
+    <p:sldId id="267" r:id="rId17"/>
+    <p:sldId id="277" r:id="rId18"/>
+    <p:sldId id="258" r:id="rId19"/>
   </p:sldIdLst>
   <p:sldSz cx="12192000" cy="6858000"/>
   <p:notesSz cx="6858000" cy="9144000"/>
@@ -185,7 +186,7 @@
           <a:noFill/>
           <a:extLst>
             <a:ext uri="{909E8E84-426E-40dd-AFC4-6F175D3DCCD1}">
-              <a14:hiddenFill xmlns:a14="http://schemas.microsoft.com/office/drawing/2010/main" xmlns="">
+              <a14:hiddenFill xmlns="" xmlns:a14="http://schemas.microsoft.com/office/drawing/2010/main">
                 <a:solidFill>
                   <a:srgbClr val="FFFFFF"/>
                 </a:solidFill>
@@ -244,7 +245,7 @@
             </a:ln>
             <a:extLst>
               <a:ext uri="{91240B29-F687-4f45-9708-019B960494DF}">
-                <a14:hiddenLine xmlns:a14="http://schemas.microsoft.com/office/drawing/2010/main" xmlns="" w="9525">
+                <a14:hiddenLine xmlns="" xmlns:a14="http://schemas.microsoft.com/office/drawing/2010/main" w="9525">
                   <a:solidFill>
                     <a:srgbClr val="000000"/>
                   </a:solidFill>
@@ -334,7 +335,7 @@
             </a:ln>
             <a:extLst>
               <a:ext uri="{91240B29-F687-4f45-9708-019B960494DF}">
-                <a14:hiddenLine xmlns:a14="http://schemas.microsoft.com/office/drawing/2010/main" xmlns="" w="9525">
+                <a14:hiddenLine xmlns="" xmlns:a14="http://schemas.microsoft.com/office/drawing/2010/main" w="9525">
                   <a:solidFill>
                     <a:srgbClr val="000000"/>
                   </a:solidFill>
@@ -424,7 +425,7 @@
             </a:ln>
             <a:extLst>
               <a:ext uri="{91240B29-F687-4f45-9708-019B960494DF}">
-                <a14:hiddenLine xmlns:a14="http://schemas.microsoft.com/office/drawing/2010/main" xmlns="" w="9525">
+                <a14:hiddenLine xmlns="" xmlns:a14="http://schemas.microsoft.com/office/drawing/2010/main" w="9525">
                   <a:solidFill>
                     <a:srgbClr val="000000"/>
                   </a:solidFill>
@@ -458,7 +459,7 @@
             </a:ln>
             <a:extLst>
               <a:ext uri="{91240B29-F687-4f45-9708-019B960494DF}">
-                <a14:hiddenLine xmlns:a14="http://schemas.microsoft.com/office/drawing/2010/main" xmlns="" w="9525">
+                <a14:hiddenLine xmlns="" xmlns:a14="http://schemas.microsoft.com/office/drawing/2010/main" w="9525">
                   <a:solidFill>
                     <a:srgbClr val="000000"/>
                   </a:solidFill>
@@ -548,7 +549,7 @@
             </a:ln>
             <a:extLst>
               <a:ext uri="{91240B29-F687-4f45-9708-019B960494DF}">
-                <a14:hiddenLine xmlns:a14="http://schemas.microsoft.com/office/drawing/2010/main" xmlns="" w="9525">
+                <a14:hiddenLine xmlns="" xmlns:a14="http://schemas.microsoft.com/office/drawing/2010/main" w="9525">
                   <a:solidFill>
                     <a:srgbClr val="000000"/>
                   </a:solidFill>
@@ -610,7 +611,7 @@
             </a:ln>
             <a:extLst>
               <a:ext uri="{91240B29-F687-4f45-9708-019B960494DF}">
-                <a14:hiddenLine xmlns:a14="http://schemas.microsoft.com/office/drawing/2010/main" xmlns="" w="9525">
+                <a14:hiddenLine xmlns="" xmlns:a14="http://schemas.microsoft.com/office/drawing/2010/main" w="9525">
                   <a:solidFill>
                     <a:srgbClr val="000000"/>
                   </a:solidFill>
@@ -672,7 +673,7 @@
             </a:ln>
             <a:extLst>
               <a:ext uri="{91240B29-F687-4f45-9708-019B960494DF}">
-                <a14:hiddenLine xmlns:a14="http://schemas.microsoft.com/office/drawing/2010/main" xmlns="" w="9525">
+                <a14:hiddenLine xmlns="" xmlns:a14="http://schemas.microsoft.com/office/drawing/2010/main" w="9525">
                   <a:solidFill>
                     <a:srgbClr val="000000"/>
                   </a:solidFill>
@@ -762,7 +763,7 @@
             </a:ln>
             <a:extLst>
               <a:ext uri="{91240B29-F687-4f45-9708-019B960494DF}">
-                <a14:hiddenLine xmlns:a14="http://schemas.microsoft.com/office/drawing/2010/main" xmlns="" w="9525">
+                <a14:hiddenLine xmlns="" xmlns:a14="http://schemas.microsoft.com/office/drawing/2010/main" w="9525">
                   <a:solidFill>
                     <a:srgbClr val="000000"/>
                   </a:solidFill>
@@ -824,7 +825,7 @@
             </a:ln>
             <a:extLst>
               <a:ext uri="{91240B29-F687-4f45-9708-019B960494DF}">
-                <a14:hiddenLine xmlns:a14="http://schemas.microsoft.com/office/drawing/2010/main" xmlns="" w="9525">
+                <a14:hiddenLine xmlns="" xmlns:a14="http://schemas.microsoft.com/office/drawing/2010/main" w="9525">
                   <a:solidFill>
                     <a:srgbClr val="000000"/>
                   </a:solidFill>
@@ -886,7 +887,7 @@
             </a:ln>
             <a:extLst>
               <a:ext uri="{91240B29-F687-4f45-9708-019B960494DF}">
-                <a14:hiddenLine xmlns:a14="http://schemas.microsoft.com/office/drawing/2010/main" xmlns="" w="9525">
+                <a14:hiddenLine xmlns="" xmlns:a14="http://schemas.microsoft.com/office/drawing/2010/main" w="9525">
                   <a:solidFill>
                     <a:srgbClr val="000000"/>
                   </a:solidFill>
@@ -976,7 +977,7 @@
             </a:ln>
             <a:extLst>
               <a:ext uri="{91240B29-F687-4f45-9708-019B960494DF}">
-                <a14:hiddenLine xmlns:a14="http://schemas.microsoft.com/office/drawing/2010/main" xmlns="" w="9525">
+                <a14:hiddenLine xmlns="" xmlns:a14="http://schemas.microsoft.com/office/drawing/2010/main" w="9525">
                   <a:solidFill>
                     <a:srgbClr val="000000"/>
                   </a:solidFill>
@@ -1066,7 +1067,7 @@
             </a:ln>
             <a:extLst>
               <a:ext uri="{91240B29-F687-4f45-9708-019B960494DF}">
-                <a14:hiddenLine xmlns:a14="http://schemas.microsoft.com/office/drawing/2010/main" xmlns="" w="9525">
+                <a14:hiddenLine xmlns="" xmlns:a14="http://schemas.microsoft.com/office/drawing/2010/main" w="9525">
                   <a:solidFill>
                     <a:srgbClr val="000000"/>
                   </a:solidFill>
@@ -1128,7 +1129,7 @@
             </a:ln>
             <a:extLst>
               <a:ext uri="{91240B29-F687-4f45-9708-019B960494DF}">
-                <a14:hiddenLine xmlns:a14="http://schemas.microsoft.com/office/drawing/2010/main" xmlns="" w="9525">
+                <a14:hiddenLine xmlns="" xmlns:a14="http://schemas.microsoft.com/office/drawing/2010/main" w="9525">
                   <a:solidFill>
                     <a:srgbClr val="000000"/>
                   </a:solidFill>
@@ -1238,7 +1239,7 @@
             </a:ln>
             <a:extLst>
               <a:ext uri="{91240B29-F687-4f45-9708-019B960494DF}">
-                <a14:hiddenLine xmlns:a14="http://schemas.microsoft.com/office/drawing/2010/main" xmlns="" w="9525">
+                <a14:hiddenLine xmlns="" xmlns:a14="http://schemas.microsoft.com/office/drawing/2010/main" w="9525">
                   <a:solidFill>
                     <a:srgbClr val="000000"/>
                   </a:solidFill>
@@ -1300,7 +1301,7 @@
             </a:ln>
             <a:extLst>
               <a:ext uri="{91240B29-F687-4f45-9708-019B960494DF}">
-                <a14:hiddenLine xmlns:a14="http://schemas.microsoft.com/office/drawing/2010/main" xmlns="" w="9525">
+                <a14:hiddenLine xmlns="" xmlns:a14="http://schemas.microsoft.com/office/drawing/2010/main" w="9525">
                   <a:solidFill>
                     <a:srgbClr val="000000"/>
                   </a:solidFill>
@@ -1390,7 +1391,7 @@
             </a:ln>
             <a:extLst>
               <a:ext uri="{91240B29-F687-4f45-9708-019B960494DF}">
-                <a14:hiddenLine xmlns:a14="http://schemas.microsoft.com/office/drawing/2010/main" xmlns="" w="9525">
+                <a14:hiddenLine xmlns="" xmlns:a14="http://schemas.microsoft.com/office/drawing/2010/main" w="9525">
                   <a:solidFill>
                     <a:srgbClr val="000000"/>
                   </a:solidFill>
@@ -1480,7 +1481,7 @@
             </a:ln>
             <a:extLst>
               <a:ext uri="{91240B29-F687-4f45-9708-019B960494DF}">
-                <a14:hiddenLine xmlns:a14="http://schemas.microsoft.com/office/drawing/2010/main" xmlns="" w="9525">
+                <a14:hiddenLine xmlns="" xmlns:a14="http://schemas.microsoft.com/office/drawing/2010/main" w="9525">
                   <a:solidFill>
                     <a:srgbClr val="000000"/>
                   </a:solidFill>
@@ -1542,7 +1543,7 @@
             </a:ln>
             <a:extLst>
               <a:ext uri="{91240B29-F687-4f45-9708-019B960494DF}">
-                <a14:hiddenLine xmlns:a14="http://schemas.microsoft.com/office/drawing/2010/main" xmlns="" w="9525">
+                <a14:hiddenLine xmlns="" xmlns:a14="http://schemas.microsoft.com/office/drawing/2010/main" w="9525">
                   <a:solidFill>
                     <a:srgbClr val="000000"/>
                   </a:solidFill>
@@ -1632,7 +1633,7 @@
             </a:ln>
             <a:extLst>
               <a:ext uri="{91240B29-F687-4f45-9708-019B960494DF}">
-                <a14:hiddenLine xmlns:a14="http://schemas.microsoft.com/office/drawing/2010/main" xmlns="" w="9525">
+                <a14:hiddenLine xmlns="" xmlns:a14="http://schemas.microsoft.com/office/drawing/2010/main" w="9525">
                   <a:solidFill>
                     <a:srgbClr val="000000"/>
                   </a:solidFill>
@@ -1722,7 +1723,7 @@
             </a:ln>
             <a:extLst>
               <a:ext uri="{91240B29-F687-4f45-9708-019B960494DF}">
-                <a14:hiddenLine xmlns:a14="http://schemas.microsoft.com/office/drawing/2010/main" xmlns="" w="9525">
+                <a14:hiddenLine xmlns="" xmlns:a14="http://schemas.microsoft.com/office/drawing/2010/main" w="9525">
                   <a:solidFill>
                     <a:srgbClr val="000000"/>
                   </a:solidFill>
@@ -1778,7 +1779,7 @@
             </a:ln>
             <a:extLst>
               <a:ext uri="{91240B29-F687-4f45-9708-019B960494DF}">
-                <a14:hiddenLine xmlns:a14="http://schemas.microsoft.com/office/drawing/2010/main" xmlns="" w="9525">
+                <a14:hiddenLine xmlns="" xmlns:a14="http://schemas.microsoft.com/office/drawing/2010/main" w="9525">
                   <a:solidFill>
                     <a:srgbClr val="000000"/>
                   </a:solidFill>
@@ -1868,7 +1869,7 @@
             </a:ln>
             <a:extLst>
               <a:ext uri="{91240B29-F687-4f45-9708-019B960494DF}">
-                <a14:hiddenLine xmlns:a14="http://schemas.microsoft.com/office/drawing/2010/main" xmlns="" w="9525">
+                <a14:hiddenLine xmlns="" xmlns:a14="http://schemas.microsoft.com/office/drawing/2010/main" w="9525">
                   <a:solidFill>
                     <a:srgbClr val="000000"/>
                   </a:solidFill>
@@ -1924,7 +1925,7 @@
             </a:ln>
             <a:extLst>
               <a:ext uri="{91240B29-F687-4f45-9708-019B960494DF}">
-                <a14:hiddenLine xmlns:a14="http://schemas.microsoft.com/office/drawing/2010/main" xmlns="" w="9525">
+                <a14:hiddenLine xmlns="" xmlns:a14="http://schemas.microsoft.com/office/drawing/2010/main" w="9525">
                   <a:solidFill>
                     <a:srgbClr val="000000"/>
                   </a:solidFill>
@@ -2014,7 +2015,7 @@
             </a:ln>
             <a:extLst>
               <a:ext uri="{91240B29-F687-4f45-9708-019B960494DF}">
-                <a14:hiddenLine xmlns:a14="http://schemas.microsoft.com/office/drawing/2010/main" xmlns="" w="9525">
+                <a14:hiddenLine xmlns="" xmlns:a14="http://schemas.microsoft.com/office/drawing/2010/main" w="9525">
                   <a:solidFill>
                     <a:srgbClr val="000000"/>
                   </a:solidFill>
@@ -2082,7 +2083,7 @@
             </a:ln>
             <a:extLst>
               <a:ext uri="{91240B29-F687-4f45-9708-019B960494DF}">
-                <a14:hiddenLine xmlns:a14="http://schemas.microsoft.com/office/drawing/2010/main" xmlns="" w="9525">
+                <a14:hiddenLine xmlns="" xmlns:a14="http://schemas.microsoft.com/office/drawing/2010/main" w="9525">
                   <a:solidFill>
                     <a:srgbClr val="000000"/>
                   </a:solidFill>
@@ -2172,7 +2173,7 @@
             </a:ln>
             <a:extLst>
               <a:ext uri="{91240B29-F687-4f45-9708-019B960494DF}">
-                <a14:hiddenLine xmlns:a14="http://schemas.microsoft.com/office/drawing/2010/main" xmlns="" w="9525">
+                <a14:hiddenLine xmlns="" xmlns:a14="http://schemas.microsoft.com/office/drawing/2010/main" w="9525">
                   <a:solidFill>
                     <a:srgbClr val="000000"/>
                   </a:solidFill>
@@ -2240,7 +2241,7 @@
             </a:ln>
             <a:extLst>
               <a:ext uri="{91240B29-F687-4f45-9708-019B960494DF}">
-                <a14:hiddenLine xmlns:a14="http://schemas.microsoft.com/office/drawing/2010/main" xmlns="" w="9525">
+                <a14:hiddenLine xmlns="" xmlns:a14="http://schemas.microsoft.com/office/drawing/2010/main" w="9525">
                   <a:solidFill>
                     <a:srgbClr val="000000"/>
                   </a:solidFill>
@@ -2330,7 +2331,7 @@
             </a:ln>
             <a:extLst>
               <a:ext uri="{91240B29-F687-4f45-9708-019B960494DF}">
-                <a14:hiddenLine xmlns:a14="http://schemas.microsoft.com/office/drawing/2010/main" xmlns="" w="9525">
+                <a14:hiddenLine xmlns="" xmlns:a14="http://schemas.microsoft.com/office/drawing/2010/main" w="9525">
                   <a:solidFill>
                     <a:srgbClr val="000000"/>
                   </a:solidFill>
@@ -2364,7 +2365,7 @@
             </a:ln>
             <a:extLst>
               <a:ext uri="{91240B29-F687-4f45-9708-019B960494DF}">
-                <a14:hiddenLine xmlns:a14="http://schemas.microsoft.com/office/drawing/2010/main" xmlns="" w="9525">
+                <a14:hiddenLine xmlns="" xmlns:a14="http://schemas.microsoft.com/office/drawing/2010/main" w="9525">
                   <a:solidFill>
                     <a:srgbClr val="000000"/>
                   </a:solidFill>
@@ -2454,7 +2455,7 @@
             </a:ln>
             <a:extLst>
               <a:ext uri="{91240B29-F687-4f45-9708-019B960494DF}">
-                <a14:hiddenLine xmlns:a14="http://schemas.microsoft.com/office/drawing/2010/main" xmlns="" w="9525">
+                <a14:hiddenLine xmlns="" xmlns:a14="http://schemas.microsoft.com/office/drawing/2010/main" w="9525">
                   <a:solidFill>
                     <a:srgbClr val="000000"/>
                   </a:solidFill>
@@ -2516,7 +2517,7 @@
             </a:ln>
             <a:extLst>
               <a:ext uri="{91240B29-F687-4f45-9708-019B960494DF}">
-                <a14:hiddenLine xmlns:a14="http://schemas.microsoft.com/office/drawing/2010/main" xmlns="" w="9525">
+                <a14:hiddenLine xmlns="" xmlns:a14="http://schemas.microsoft.com/office/drawing/2010/main" w="9525">
                   <a:solidFill>
                     <a:srgbClr val="000000"/>
                   </a:solidFill>
@@ -2578,7 +2579,7 @@
             </a:ln>
             <a:extLst>
               <a:ext uri="{91240B29-F687-4f45-9708-019B960494DF}">
-                <a14:hiddenLine xmlns:a14="http://schemas.microsoft.com/office/drawing/2010/main" xmlns="" w="9525">
+                <a14:hiddenLine xmlns="" xmlns:a14="http://schemas.microsoft.com/office/drawing/2010/main" w="9525">
                   <a:solidFill>
                     <a:srgbClr val="000000"/>
                   </a:solidFill>
@@ -2668,7 +2669,7 @@
             </a:ln>
             <a:extLst>
               <a:ext uri="{91240B29-F687-4f45-9708-019B960494DF}">
-                <a14:hiddenLine xmlns:a14="http://schemas.microsoft.com/office/drawing/2010/main" xmlns="" w="9525">
+                <a14:hiddenLine xmlns="" xmlns:a14="http://schemas.microsoft.com/office/drawing/2010/main" w="9525">
                   <a:solidFill>
                     <a:srgbClr val="000000"/>
                   </a:solidFill>
@@ -2736,7 +2737,7 @@
             </a:ln>
             <a:extLst>
               <a:ext uri="{91240B29-F687-4f45-9708-019B960494DF}">
-                <a14:hiddenLine xmlns:a14="http://schemas.microsoft.com/office/drawing/2010/main" xmlns="" w="9525">
+                <a14:hiddenLine xmlns="" xmlns:a14="http://schemas.microsoft.com/office/drawing/2010/main" w="9525">
                   <a:solidFill>
                     <a:srgbClr val="000000"/>
                   </a:solidFill>
@@ -2798,7 +2799,7 @@
             </a:ln>
             <a:extLst>
               <a:ext uri="{91240B29-F687-4f45-9708-019B960494DF}">
-                <a14:hiddenLine xmlns:a14="http://schemas.microsoft.com/office/drawing/2010/main" xmlns="" w="9525">
+                <a14:hiddenLine xmlns="" xmlns:a14="http://schemas.microsoft.com/office/drawing/2010/main" w="9525">
                   <a:solidFill>
                     <a:srgbClr val="000000"/>
                   </a:solidFill>
@@ -2888,7 +2889,7 @@
             </a:ln>
             <a:extLst>
               <a:ext uri="{91240B29-F687-4f45-9708-019B960494DF}">
-                <a14:hiddenLine xmlns:a14="http://schemas.microsoft.com/office/drawing/2010/main" xmlns="" w="9525">
+                <a14:hiddenLine xmlns="" xmlns:a14="http://schemas.microsoft.com/office/drawing/2010/main" w="9525">
                   <a:solidFill>
                     <a:srgbClr val="000000"/>
                   </a:solidFill>
@@ -2950,7 +2951,7 @@
             </a:ln>
             <a:extLst>
               <a:ext uri="{91240B29-F687-4f45-9708-019B960494DF}">
-                <a14:hiddenLine xmlns:a14="http://schemas.microsoft.com/office/drawing/2010/main" xmlns="" w="9525">
+                <a14:hiddenLine xmlns="" xmlns:a14="http://schemas.microsoft.com/office/drawing/2010/main" w="9525">
                   <a:solidFill>
                     <a:srgbClr val="000000"/>
                   </a:solidFill>
@@ -3040,7 +3041,7 @@
             </a:ln>
             <a:extLst>
               <a:ext uri="{91240B29-F687-4f45-9708-019B960494DF}">
-                <a14:hiddenLine xmlns:a14="http://schemas.microsoft.com/office/drawing/2010/main" xmlns="" w="9525">
+                <a14:hiddenLine xmlns="" xmlns:a14="http://schemas.microsoft.com/office/drawing/2010/main" w="9525">
                   <a:solidFill>
                     <a:srgbClr val="000000"/>
                   </a:solidFill>
@@ -3102,7 +3103,7 @@
             </a:ln>
             <a:extLst>
               <a:ext uri="{91240B29-F687-4f45-9708-019B960494DF}">
-                <a14:hiddenLine xmlns:a14="http://schemas.microsoft.com/office/drawing/2010/main" xmlns="" w="9525">
+                <a14:hiddenLine xmlns="" xmlns:a14="http://schemas.microsoft.com/office/drawing/2010/main" w="9525">
                   <a:solidFill>
                     <a:srgbClr val="000000"/>
                   </a:solidFill>
@@ -3192,7 +3193,7 @@
             </a:ln>
             <a:extLst>
               <a:ext uri="{91240B29-F687-4f45-9708-019B960494DF}">
-                <a14:hiddenLine xmlns:a14="http://schemas.microsoft.com/office/drawing/2010/main" xmlns="" w="9525">
+                <a14:hiddenLine xmlns="" xmlns:a14="http://schemas.microsoft.com/office/drawing/2010/main" w="9525">
                   <a:solidFill>
                     <a:srgbClr val="000000"/>
                   </a:solidFill>
@@ -3226,7 +3227,7 @@
             </a:ln>
             <a:extLst>
               <a:ext uri="{91240B29-F687-4f45-9708-019B960494DF}">
-                <a14:hiddenLine xmlns:a14="http://schemas.microsoft.com/office/drawing/2010/main" xmlns="" w="9525">
+                <a14:hiddenLine xmlns="" xmlns:a14="http://schemas.microsoft.com/office/drawing/2010/main" w="9525">
                   <a:solidFill>
                     <a:srgbClr val="000000"/>
                   </a:solidFill>
@@ -3291,7 +3292,7 @@
             </a:ln>
             <a:extLst>
               <a:ext uri="{91240B29-F687-4f45-9708-019B960494DF}">
-                <a14:hiddenLine xmlns:a14="http://schemas.microsoft.com/office/drawing/2010/main" xmlns="" w="9525">
+                <a14:hiddenLine xmlns="" xmlns:a14="http://schemas.microsoft.com/office/drawing/2010/main" w="9525">
                   <a:solidFill>
                     <a:srgbClr val="000000"/>
                   </a:solidFill>
@@ -3381,7 +3382,7 @@
             </a:ln>
             <a:extLst>
               <a:ext uri="{91240B29-F687-4f45-9708-019B960494DF}">
-                <a14:hiddenLine xmlns:a14="http://schemas.microsoft.com/office/drawing/2010/main" xmlns="" w="9525">
+                <a14:hiddenLine xmlns="" xmlns:a14="http://schemas.microsoft.com/office/drawing/2010/main" w="9525">
                   <a:solidFill>
                     <a:srgbClr val="000000"/>
                   </a:solidFill>
@@ -3443,7 +3444,7 @@
             </a:ln>
             <a:extLst>
               <a:ext uri="{91240B29-F687-4f45-9708-019B960494DF}">
-                <a14:hiddenLine xmlns:a14="http://schemas.microsoft.com/office/drawing/2010/main" xmlns="" w="9525">
+                <a14:hiddenLine xmlns="" xmlns:a14="http://schemas.microsoft.com/office/drawing/2010/main" w="9525">
                   <a:solidFill>
                     <a:srgbClr val="000000"/>
                   </a:solidFill>
@@ -3533,7 +3534,7 @@
             </a:ln>
             <a:extLst>
               <a:ext uri="{91240B29-F687-4f45-9708-019B960494DF}">
-                <a14:hiddenLine xmlns:a14="http://schemas.microsoft.com/office/drawing/2010/main" xmlns="" w="9525">
+                <a14:hiddenLine xmlns="" xmlns:a14="http://schemas.microsoft.com/office/drawing/2010/main" w="9525">
                   <a:solidFill>
                     <a:srgbClr val="000000"/>
                   </a:solidFill>
@@ -3623,7 +3624,7 @@
             </a:ln>
             <a:extLst>
               <a:ext uri="{91240B29-F687-4f45-9708-019B960494DF}">
-                <a14:hiddenLine xmlns:a14="http://schemas.microsoft.com/office/drawing/2010/main" xmlns="" w="9525">
+                <a14:hiddenLine xmlns="" xmlns:a14="http://schemas.microsoft.com/office/drawing/2010/main" w="9525">
                   <a:solidFill>
                     <a:srgbClr val="000000"/>
                   </a:solidFill>
@@ -3688,7 +3689,7 @@
             </a:ln>
             <a:extLst>
               <a:ext uri="{91240B29-F687-4f45-9708-019B960494DF}">
-                <a14:hiddenLine xmlns:a14="http://schemas.microsoft.com/office/drawing/2010/main" xmlns="" w="9525">
+                <a14:hiddenLine xmlns="" xmlns:a14="http://schemas.microsoft.com/office/drawing/2010/main" w="9525">
                   <a:solidFill>
                     <a:srgbClr val="000000"/>
                   </a:solidFill>
@@ -3750,7 +3751,7 @@
             </a:ln>
             <a:extLst>
               <a:ext uri="{91240B29-F687-4f45-9708-019B960494DF}">
-                <a14:hiddenLine xmlns:a14="http://schemas.microsoft.com/office/drawing/2010/main" xmlns="" w="9525">
+                <a14:hiddenLine xmlns="" xmlns:a14="http://schemas.microsoft.com/office/drawing/2010/main" w="9525">
                   <a:solidFill>
                     <a:srgbClr val="000000"/>
                   </a:solidFill>
@@ -3840,7 +3841,7 @@
             </a:ln>
             <a:extLst>
               <a:ext uri="{91240B29-F687-4f45-9708-019B960494DF}">
-                <a14:hiddenLine xmlns:a14="http://schemas.microsoft.com/office/drawing/2010/main" xmlns="" w="9525">
+                <a14:hiddenLine xmlns="" xmlns:a14="http://schemas.microsoft.com/office/drawing/2010/main" w="9525">
                   <a:solidFill>
                     <a:srgbClr val="000000"/>
                   </a:solidFill>
@@ -3930,7 +3931,7 @@
             </a:ln>
             <a:extLst>
               <a:ext uri="{91240B29-F687-4f45-9708-019B960494DF}">
-                <a14:hiddenLine xmlns:a14="http://schemas.microsoft.com/office/drawing/2010/main" xmlns="" w="9525">
+                <a14:hiddenLine xmlns="" xmlns:a14="http://schemas.microsoft.com/office/drawing/2010/main" w="9525">
                   <a:solidFill>
                     <a:srgbClr val="000000"/>
                   </a:solidFill>
@@ -3992,7 +3993,7 @@
             </a:ln>
             <a:extLst>
               <a:ext uri="{91240B29-F687-4f45-9708-019B960494DF}">
-                <a14:hiddenLine xmlns:a14="http://schemas.microsoft.com/office/drawing/2010/main" xmlns="" w="9525">
+                <a14:hiddenLine xmlns="" xmlns:a14="http://schemas.microsoft.com/office/drawing/2010/main" w="9525">
                   <a:solidFill>
                     <a:srgbClr val="000000"/>
                   </a:solidFill>
@@ -4112,7 +4113,7 @@
             </a:ln>
             <a:extLst>
               <a:ext uri="{91240B29-F687-4f45-9708-019B960494DF}">
-                <a14:hiddenLine xmlns:a14="http://schemas.microsoft.com/office/drawing/2010/main" xmlns="" w="9525">
+                <a14:hiddenLine xmlns="" xmlns:a14="http://schemas.microsoft.com/office/drawing/2010/main" w="9525">
                   <a:solidFill>
                     <a:srgbClr val="000000"/>
                   </a:solidFill>
@@ -4180,7 +4181,7 @@
             </a:ln>
             <a:extLst>
               <a:ext uri="{91240B29-F687-4f45-9708-019B960494DF}">
-                <a14:hiddenLine xmlns:a14="http://schemas.microsoft.com/office/drawing/2010/main" xmlns="" w="9525">
+                <a14:hiddenLine xmlns="" xmlns:a14="http://schemas.microsoft.com/office/drawing/2010/main" w="9525">
                   <a:solidFill>
                     <a:srgbClr val="000000"/>
                   </a:solidFill>
@@ -4270,7 +4271,7 @@
             </a:ln>
             <a:extLst>
               <a:ext uri="{91240B29-F687-4f45-9708-019B960494DF}">
-                <a14:hiddenLine xmlns:a14="http://schemas.microsoft.com/office/drawing/2010/main" xmlns="" w="9525">
+                <a14:hiddenLine xmlns="" xmlns:a14="http://schemas.microsoft.com/office/drawing/2010/main" w="9525">
                   <a:solidFill>
                     <a:srgbClr val="000000"/>
                   </a:solidFill>
@@ -9084,7 +9085,7 @@
           <a:noFill/>
           <a:extLst>
             <a:ext uri="{909E8E84-426E-40dd-AFC4-6F175D3DCCD1}">
-              <a14:hiddenFill xmlns:a14="http://schemas.microsoft.com/office/drawing/2010/main" xmlns="">
+              <a14:hiddenFill xmlns="" xmlns:a14="http://schemas.microsoft.com/office/drawing/2010/main">
                 <a:solidFill>
                   <a:srgbClr val="FFFFFF"/>
                 </a:solidFill>
@@ -9158,7 +9159,7 @@
               </a:ln>
               <a:extLst>
                 <a:ext uri="{91240B29-F687-4f45-9708-019B960494DF}">
-                  <a14:hiddenLine xmlns:a14="http://schemas.microsoft.com/office/drawing/2010/main" xmlns="" w="9525">
+                  <a14:hiddenLine xmlns="" xmlns:a14="http://schemas.microsoft.com/office/drawing/2010/main" w="9525">
                     <a:solidFill>
                       <a:srgbClr val="000000"/>
                     </a:solidFill>
@@ -9248,7 +9249,7 @@
               </a:ln>
               <a:extLst>
                 <a:ext uri="{91240B29-F687-4f45-9708-019B960494DF}">
-                  <a14:hiddenLine xmlns:a14="http://schemas.microsoft.com/office/drawing/2010/main" xmlns="" w="9525">
+                  <a14:hiddenLine xmlns="" xmlns:a14="http://schemas.microsoft.com/office/drawing/2010/main" w="9525">
                     <a:solidFill>
                       <a:srgbClr val="000000"/>
                     </a:solidFill>
@@ -9338,7 +9339,7 @@
               </a:ln>
               <a:extLst>
                 <a:ext uri="{91240B29-F687-4f45-9708-019B960494DF}">
-                  <a14:hiddenLine xmlns:a14="http://schemas.microsoft.com/office/drawing/2010/main" xmlns="" w="9525">
+                  <a14:hiddenLine xmlns="" xmlns:a14="http://schemas.microsoft.com/office/drawing/2010/main" w="9525">
                     <a:solidFill>
                       <a:srgbClr val="000000"/>
                     </a:solidFill>
@@ -9400,7 +9401,7 @@
               </a:ln>
               <a:extLst>
                 <a:ext uri="{91240B29-F687-4f45-9708-019B960494DF}">
-                  <a14:hiddenLine xmlns:a14="http://schemas.microsoft.com/office/drawing/2010/main" xmlns="" w="9525">
+                  <a14:hiddenLine xmlns="" xmlns:a14="http://schemas.microsoft.com/office/drawing/2010/main" w="9525">
                     <a:solidFill>
                       <a:srgbClr val="000000"/>
                     </a:solidFill>
@@ -9490,7 +9491,7 @@
               </a:ln>
               <a:extLst>
                 <a:ext uri="{91240B29-F687-4f45-9708-019B960494DF}">
-                  <a14:hiddenLine xmlns:a14="http://schemas.microsoft.com/office/drawing/2010/main" xmlns="" w="9525">
+                  <a14:hiddenLine xmlns="" xmlns:a14="http://schemas.microsoft.com/office/drawing/2010/main" w="9525">
                     <a:solidFill>
                       <a:srgbClr val="000000"/>
                     </a:solidFill>
@@ -9552,7 +9553,7 @@
               </a:ln>
               <a:extLst>
                 <a:ext uri="{91240B29-F687-4f45-9708-019B960494DF}">
-                  <a14:hiddenLine xmlns:a14="http://schemas.microsoft.com/office/drawing/2010/main" xmlns="" w="9525">
+                  <a14:hiddenLine xmlns="" xmlns:a14="http://schemas.microsoft.com/office/drawing/2010/main" w="9525">
                     <a:solidFill>
                       <a:srgbClr val="000000"/>
                     </a:solidFill>
@@ -9614,7 +9615,7 @@
               </a:ln>
               <a:extLst>
                 <a:ext uri="{91240B29-F687-4f45-9708-019B960494DF}">
-                  <a14:hiddenLine xmlns:a14="http://schemas.microsoft.com/office/drawing/2010/main" xmlns="" w="9525">
+                  <a14:hiddenLine xmlns="" xmlns:a14="http://schemas.microsoft.com/office/drawing/2010/main" w="9525">
                     <a:solidFill>
                       <a:srgbClr val="000000"/>
                     </a:solidFill>
@@ -9704,7 +9705,7 @@
               </a:ln>
               <a:extLst>
                 <a:ext uri="{91240B29-F687-4f45-9708-019B960494DF}">
-                  <a14:hiddenLine xmlns:a14="http://schemas.microsoft.com/office/drawing/2010/main" xmlns="" w="9525">
+                  <a14:hiddenLine xmlns="" xmlns:a14="http://schemas.microsoft.com/office/drawing/2010/main" w="9525">
                     <a:solidFill>
                       <a:srgbClr val="000000"/>
                     </a:solidFill>
@@ -9794,7 +9795,7 @@
               </a:ln>
               <a:extLst>
                 <a:ext uri="{91240B29-F687-4f45-9708-019B960494DF}">
-                  <a14:hiddenLine xmlns:a14="http://schemas.microsoft.com/office/drawing/2010/main" xmlns="" w="9525">
+                  <a14:hiddenLine xmlns="" xmlns:a14="http://schemas.microsoft.com/office/drawing/2010/main" w="9525">
                     <a:solidFill>
                       <a:srgbClr val="000000"/>
                     </a:solidFill>
@@ -9856,7 +9857,7 @@
               </a:ln>
               <a:extLst>
                 <a:ext uri="{91240B29-F687-4f45-9708-019B960494DF}">
-                  <a14:hiddenLine xmlns:a14="http://schemas.microsoft.com/office/drawing/2010/main" xmlns="" w="9525">
+                  <a14:hiddenLine xmlns="" xmlns:a14="http://schemas.microsoft.com/office/drawing/2010/main" w="9525">
                     <a:solidFill>
                       <a:srgbClr val="000000"/>
                     </a:solidFill>
@@ -9966,7 +9967,7 @@
               </a:ln>
               <a:extLst>
                 <a:ext uri="{91240B29-F687-4f45-9708-019B960494DF}">
-                  <a14:hiddenLine xmlns:a14="http://schemas.microsoft.com/office/drawing/2010/main" xmlns="" w="9525">
+                  <a14:hiddenLine xmlns="" xmlns:a14="http://schemas.microsoft.com/office/drawing/2010/main" w="9525">
                     <a:solidFill>
                       <a:srgbClr val="000000"/>
                     </a:solidFill>
@@ -10050,7 +10051,7 @@
               </a:ln>
               <a:extLst>
                 <a:ext uri="{91240B29-F687-4f45-9708-019B960494DF}">
-                  <a14:hiddenLine xmlns:a14="http://schemas.microsoft.com/office/drawing/2010/main" xmlns="" w="9525">
+                  <a14:hiddenLine xmlns="" xmlns:a14="http://schemas.microsoft.com/office/drawing/2010/main" w="9525">
                     <a:solidFill>
                       <a:srgbClr val="000000"/>
                     </a:solidFill>
@@ -10112,7 +10113,7 @@
               </a:ln>
               <a:extLst>
                 <a:ext uri="{91240B29-F687-4f45-9708-019B960494DF}">
-                  <a14:hiddenLine xmlns:a14="http://schemas.microsoft.com/office/drawing/2010/main" xmlns="" w="9525">
+                  <a14:hiddenLine xmlns="" xmlns:a14="http://schemas.microsoft.com/office/drawing/2010/main" w="9525">
                     <a:solidFill>
                       <a:srgbClr val="000000"/>
                     </a:solidFill>
@@ -10174,7 +10175,7 @@
               </a:ln>
               <a:extLst>
                 <a:ext uri="{91240B29-F687-4f45-9708-019B960494DF}">
-                  <a14:hiddenLine xmlns:a14="http://schemas.microsoft.com/office/drawing/2010/main" xmlns="" w="9525">
+                  <a14:hiddenLine xmlns="" xmlns:a14="http://schemas.microsoft.com/office/drawing/2010/main" w="9525">
                     <a:solidFill>
                       <a:srgbClr val="000000"/>
                     </a:solidFill>
@@ -10264,7 +10265,7 @@
               </a:ln>
               <a:extLst>
                 <a:ext uri="{91240B29-F687-4f45-9708-019B960494DF}">
-                  <a14:hiddenLine xmlns:a14="http://schemas.microsoft.com/office/drawing/2010/main" xmlns="" w="9525">
+                  <a14:hiddenLine xmlns="" xmlns:a14="http://schemas.microsoft.com/office/drawing/2010/main" w="9525">
                     <a:solidFill>
                       <a:srgbClr val="000000"/>
                     </a:solidFill>
@@ -10298,7 +10299,7 @@
               </a:ln>
               <a:extLst>
                 <a:ext uri="{91240B29-F687-4f45-9708-019B960494DF}">
-                  <a14:hiddenLine xmlns:a14="http://schemas.microsoft.com/office/drawing/2010/main" xmlns="" w="9525">
+                  <a14:hiddenLine xmlns="" xmlns:a14="http://schemas.microsoft.com/office/drawing/2010/main" w="9525">
                     <a:solidFill>
                       <a:srgbClr val="000000"/>
                     </a:solidFill>
@@ -10363,7 +10364,7 @@
               </a:ln>
               <a:extLst>
                 <a:ext uri="{91240B29-F687-4f45-9708-019B960494DF}">
-                  <a14:hiddenLine xmlns:a14="http://schemas.microsoft.com/office/drawing/2010/main" xmlns="" w="9525">
+                  <a14:hiddenLine xmlns="" xmlns:a14="http://schemas.microsoft.com/office/drawing/2010/main" w="9525">
                     <a:solidFill>
                       <a:srgbClr val="000000"/>
                     </a:solidFill>
@@ -10453,7 +10454,7 @@
               </a:ln>
               <a:extLst>
                 <a:ext uri="{91240B29-F687-4f45-9708-019B960494DF}">
-                  <a14:hiddenLine xmlns:a14="http://schemas.microsoft.com/office/drawing/2010/main" xmlns="" w="9525">
+                  <a14:hiddenLine xmlns="" xmlns:a14="http://schemas.microsoft.com/office/drawing/2010/main" w="9525">
                     <a:solidFill>
                       <a:srgbClr val="000000"/>
                     </a:solidFill>
@@ -10515,7 +10516,7 @@
               </a:ln>
               <a:extLst>
                 <a:ext uri="{91240B29-F687-4f45-9708-019B960494DF}">
-                  <a14:hiddenLine xmlns:a14="http://schemas.microsoft.com/office/drawing/2010/main" xmlns="" w="9525">
+                  <a14:hiddenLine xmlns="" xmlns:a14="http://schemas.microsoft.com/office/drawing/2010/main" w="9525">
                     <a:solidFill>
                       <a:srgbClr val="000000"/>
                     </a:solidFill>
@@ -10605,7 +10606,7 @@
               </a:ln>
               <a:extLst>
                 <a:ext uri="{91240B29-F687-4f45-9708-019B960494DF}">
-                  <a14:hiddenLine xmlns:a14="http://schemas.microsoft.com/office/drawing/2010/main" xmlns="" w="9525">
+                  <a14:hiddenLine xmlns="" xmlns:a14="http://schemas.microsoft.com/office/drawing/2010/main" w="9525">
                     <a:solidFill>
                       <a:srgbClr val="000000"/>
                     </a:solidFill>
@@ -10670,7 +10671,7 @@
               </a:ln>
               <a:extLst>
                 <a:ext uri="{91240B29-F687-4f45-9708-019B960494DF}">
-                  <a14:hiddenLine xmlns:a14="http://schemas.microsoft.com/office/drawing/2010/main" xmlns="" w="9525">
+                  <a14:hiddenLine xmlns="" xmlns:a14="http://schemas.microsoft.com/office/drawing/2010/main" w="9525">
                     <a:solidFill>
                       <a:srgbClr val="000000"/>
                     </a:solidFill>
@@ -10732,7 +10733,7 @@
               </a:ln>
               <a:extLst>
                 <a:ext uri="{91240B29-F687-4f45-9708-019B960494DF}">
-                  <a14:hiddenLine xmlns:a14="http://schemas.microsoft.com/office/drawing/2010/main" xmlns="" w="9525">
+                  <a14:hiddenLine xmlns="" xmlns:a14="http://schemas.microsoft.com/office/drawing/2010/main" w="9525">
                     <a:solidFill>
                       <a:srgbClr val="000000"/>
                     </a:solidFill>
@@ -10822,7 +10823,7 @@
               </a:ln>
               <a:extLst>
                 <a:ext uri="{91240B29-F687-4f45-9708-019B960494DF}">
-                  <a14:hiddenLine xmlns:a14="http://schemas.microsoft.com/office/drawing/2010/main" xmlns="" w="9525">
+                  <a14:hiddenLine xmlns="" xmlns:a14="http://schemas.microsoft.com/office/drawing/2010/main" w="9525">
                     <a:solidFill>
                       <a:srgbClr val="000000"/>
                     </a:solidFill>
@@ -10912,7 +10913,7 @@
               </a:ln>
               <a:extLst>
                 <a:ext uri="{91240B29-F687-4f45-9708-019B960494DF}">
-                  <a14:hiddenLine xmlns:a14="http://schemas.microsoft.com/office/drawing/2010/main" xmlns="" w="9525">
+                  <a14:hiddenLine xmlns="" xmlns:a14="http://schemas.microsoft.com/office/drawing/2010/main" w="9525">
                     <a:solidFill>
                       <a:srgbClr val="000000"/>
                     </a:solidFill>
@@ -10977,7 +10978,7 @@
               </a:ln>
               <a:extLst>
                 <a:ext uri="{91240B29-F687-4f45-9708-019B960494DF}">
-                  <a14:hiddenLine xmlns:a14="http://schemas.microsoft.com/office/drawing/2010/main" xmlns="" w="9525">
+                  <a14:hiddenLine xmlns="" xmlns:a14="http://schemas.microsoft.com/office/drawing/2010/main" w="9525">
                     <a:solidFill>
                       <a:srgbClr val="000000"/>
                     </a:solidFill>
@@ -11097,7 +11098,7 @@
               </a:ln>
               <a:extLst>
                 <a:ext uri="{91240B29-F687-4f45-9708-019B960494DF}">
-                  <a14:hiddenLine xmlns:a14="http://schemas.microsoft.com/office/drawing/2010/main" xmlns="" w="9525">
+                  <a14:hiddenLine xmlns="" xmlns:a14="http://schemas.microsoft.com/office/drawing/2010/main" w="9525">
                     <a:solidFill>
                       <a:srgbClr val="000000"/>
                     </a:solidFill>
@@ -11178,7 +11179,7 @@
               </a:ln>
               <a:extLst>
                 <a:ext uri="{91240B29-F687-4f45-9708-019B960494DF}">
-                  <a14:hiddenLine xmlns:a14="http://schemas.microsoft.com/office/drawing/2010/main" xmlns="" w="9525">
+                  <a14:hiddenLine xmlns="" xmlns:a14="http://schemas.microsoft.com/office/drawing/2010/main" w="9525">
                     <a:solidFill>
                       <a:srgbClr val="000000"/>
                     </a:solidFill>
@@ -11293,7 +11294,7 @@
               </a:ln>
               <a:extLst>
                 <a:ext uri="{91240B29-F687-4f45-9708-019B960494DF}">
-                  <a14:hiddenLine xmlns:a14="http://schemas.microsoft.com/office/drawing/2010/main" xmlns="" w="9525">
+                  <a14:hiddenLine xmlns="" xmlns:a14="http://schemas.microsoft.com/office/drawing/2010/main" w="9525">
                     <a:solidFill>
                       <a:srgbClr val="000000"/>
                     </a:solidFill>
@@ -11383,7 +11384,7 @@
               </a:ln>
               <a:extLst>
                 <a:ext uri="{91240B29-F687-4f45-9708-019B960494DF}">
-                  <a14:hiddenLine xmlns:a14="http://schemas.microsoft.com/office/drawing/2010/main" xmlns="" w="9525">
+                  <a14:hiddenLine xmlns="" xmlns:a14="http://schemas.microsoft.com/office/drawing/2010/main" w="9525">
                     <a:solidFill>
                       <a:srgbClr val="000000"/>
                     </a:solidFill>
@@ -11448,7 +11449,7 @@
               </a:ln>
               <a:extLst>
                 <a:ext uri="{91240B29-F687-4f45-9708-019B960494DF}">
-                  <a14:hiddenLine xmlns:a14="http://schemas.microsoft.com/office/drawing/2010/main" xmlns="" w="9525">
+                  <a14:hiddenLine xmlns="" xmlns:a14="http://schemas.microsoft.com/office/drawing/2010/main" w="9525">
                     <a:solidFill>
                       <a:srgbClr val="000000"/>
                     </a:solidFill>
@@ -11538,7 +11539,7 @@
               </a:ln>
               <a:extLst>
                 <a:ext uri="{91240B29-F687-4f45-9708-019B960494DF}">
-                  <a14:hiddenLine xmlns:a14="http://schemas.microsoft.com/office/drawing/2010/main" xmlns="" w="9525">
+                  <a14:hiddenLine xmlns="" xmlns:a14="http://schemas.microsoft.com/office/drawing/2010/main" w="9525">
                     <a:solidFill>
                       <a:srgbClr val="000000"/>
                     </a:solidFill>
@@ -11606,7 +11607,7 @@
               </a:ln>
               <a:extLst>
                 <a:ext uri="{91240B29-F687-4f45-9708-019B960494DF}">
-                  <a14:hiddenLine xmlns:a14="http://schemas.microsoft.com/office/drawing/2010/main" xmlns="" w="9525">
+                  <a14:hiddenLine xmlns="" xmlns:a14="http://schemas.microsoft.com/office/drawing/2010/main" w="9525">
                     <a:solidFill>
                       <a:srgbClr val="000000"/>
                     </a:solidFill>
@@ -11696,7 +11697,7 @@
               </a:ln>
               <a:extLst>
                 <a:ext uri="{91240B29-F687-4f45-9708-019B960494DF}">
-                  <a14:hiddenLine xmlns:a14="http://schemas.microsoft.com/office/drawing/2010/main" xmlns="" w="9525">
+                  <a14:hiddenLine xmlns="" xmlns:a14="http://schemas.microsoft.com/office/drawing/2010/main" w="9525">
                     <a:solidFill>
                       <a:srgbClr val="000000"/>
                     </a:solidFill>
@@ -11764,7 +11765,7 @@
               </a:ln>
               <a:extLst>
                 <a:ext uri="{91240B29-F687-4f45-9708-019B960494DF}">
-                  <a14:hiddenLine xmlns:a14="http://schemas.microsoft.com/office/drawing/2010/main" xmlns="" w="9525">
+                  <a14:hiddenLine xmlns="" xmlns:a14="http://schemas.microsoft.com/office/drawing/2010/main" w="9525">
                     <a:solidFill>
                       <a:srgbClr val="000000"/>
                     </a:solidFill>
@@ -11854,7 +11855,7 @@
               </a:ln>
               <a:extLst>
                 <a:ext uri="{91240B29-F687-4f45-9708-019B960494DF}">
-                  <a14:hiddenLine xmlns:a14="http://schemas.microsoft.com/office/drawing/2010/main" xmlns="" w="9525">
+                  <a14:hiddenLine xmlns="" xmlns:a14="http://schemas.microsoft.com/office/drawing/2010/main" w="9525">
                     <a:solidFill>
                       <a:srgbClr val="000000"/>
                     </a:solidFill>
@@ -11888,7 +11889,7 @@
               </a:ln>
               <a:extLst>
                 <a:ext uri="{91240B29-F687-4f45-9708-019B960494DF}">
-                  <a14:hiddenLine xmlns:a14="http://schemas.microsoft.com/office/drawing/2010/main" xmlns="" w="9525">
+                  <a14:hiddenLine xmlns="" xmlns:a14="http://schemas.microsoft.com/office/drawing/2010/main" w="9525">
                     <a:solidFill>
                       <a:srgbClr val="000000"/>
                     </a:solidFill>
@@ -12492,6 +12493,129 @@
 </file>
 
 <file path=ppt/slides/slide10.xml><?xml version="1.0" encoding="utf-8"?>
+<p:sld xmlns:a="http://schemas.openxmlformats.org/drawingml/2006/main" xmlns:r="http://schemas.openxmlformats.org/officeDocument/2006/relationships" xmlns:p="http://schemas.openxmlformats.org/presentationml/2006/main">
+  <p:cSld>
+    <p:spTree>
+      <p:nvGrpSpPr>
+        <p:cNvPr id="1" name=""/>
+        <p:cNvGrpSpPr/>
+        <p:nvPr/>
+      </p:nvGrpSpPr>
+      <p:grpSpPr>
+        <a:xfrm>
+          <a:off x="0" y="0"/>
+          <a:ext cx="0" cy="0"/>
+          <a:chOff x="0" y="0"/>
+          <a:chExt cx="0" cy="0"/>
+        </a:xfrm>
+      </p:grpSpPr>
+      <p:sp>
+        <p:nvSpPr>
+          <p:cNvPr id="2" name="Заголовок 1"/>
+          <p:cNvSpPr>
+            <a:spLocks noGrp="1"/>
+          </p:cNvSpPr>
+          <p:nvPr>
+            <p:ph type="title"/>
+          </p:nvPr>
+        </p:nvSpPr>
+        <p:spPr/>
+        <p:txBody>
+          <a:bodyPr/>
+          <a:lstStyle/>
+          <a:p>
+            <a:r>
+              <a:rPr lang="ru-RU" dirty="0" smtClean="0"/>
+              <a:t>навигация</a:t>
+            </a:r>
+            <a:endParaRPr lang="ru-RU" dirty="0"/>
+          </a:p>
+        </p:txBody>
+      </p:sp>
+      <p:pic>
+        <p:nvPicPr>
+          <p:cNvPr id="4" name="Рисунок 3" descr="C:\Users\riskulov\Desktop\2gis.jpg"/>
+          <p:cNvPicPr/>
+          <p:nvPr/>
+        </p:nvPicPr>
+        <p:blipFill>
+          <a:blip r:embed="rId2">
+            <a:extLst>
+              <a:ext uri="{28A0092B-C50C-407E-A947-70E740481C1C}">
+                <a14:useLocalDpi xmlns:a14="http://schemas.microsoft.com/office/drawing/2010/main" val="0"/>
+              </a:ext>
+            </a:extLst>
+          </a:blip>
+          <a:srcRect/>
+          <a:stretch>
+            <a:fillRect/>
+          </a:stretch>
+        </p:blipFill>
+        <p:spPr bwMode="auto">
+          <a:xfrm>
+            <a:off x="1256146" y="1912422"/>
+            <a:ext cx="7315200" cy="4101018"/>
+          </a:xfrm>
+          <a:prstGeom prst="rect">
+            <a:avLst/>
+          </a:prstGeom>
+          <a:noFill/>
+          <a:ln>
+            <a:noFill/>
+          </a:ln>
+        </p:spPr>
+      </p:pic>
+      <p:sp>
+        <p:nvSpPr>
+          <p:cNvPr id="5" name="TextBox 4"/>
+          <p:cNvSpPr txBox="1"/>
+          <p:nvPr/>
+        </p:nvSpPr>
+        <p:spPr>
+          <a:xfrm>
+            <a:off x="1256146" y="6198156"/>
+            <a:ext cx="5333511" cy="369332"/>
+          </a:xfrm>
+          <a:prstGeom prst="rect">
+            <a:avLst/>
+          </a:prstGeom>
+          <a:noFill/>
+        </p:spPr>
+        <p:txBody>
+          <a:bodyPr wrap="none" rtlCol="0">
+            <a:spAutoFit/>
+          </a:bodyPr>
+          <a:lstStyle/>
+          <a:p>
+            <a:r>
+              <a:rPr lang="ru-RU" dirty="0" smtClean="0"/>
+              <a:t>Пример инструмента с хорошей навигацией</a:t>
+            </a:r>
+            <a:endParaRPr lang="ru-RU" dirty="0"/>
+          </a:p>
+        </p:txBody>
+      </p:sp>
+    </p:spTree>
+    <p:extLst>
+      <p:ext uri="{BB962C8B-B14F-4D97-AF65-F5344CB8AC3E}">
+        <p14:creationId xmlns:p14="http://schemas.microsoft.com/office/powerpoint/2010/main" val="4061463154"/>
+      </p:ext>
+    </p:extLst>
+  </p:cSld>
+  <p:clrMapOvr>
+    <a:masterClrMapping/>
+  </p:clrMapOvr>
+  <p:timing>
+    <p:tnLst>
+      <p:par>
+        <p:cTn id="1" dur="indefinite" restart="never" nodeType="tmRoot"/>
+      </p:par>
+    </p:tnLst>
+  </p:timing>
+</p:sld>
+</file>
+
+<file path=ppt/slides/slide11.xml><?xml version="1.0" encoding="utf-8"?>
 <p:sld xmlns:a="http://schemas.openxmlformats.org/drawingml/2006/main" xmlns:r="http://schemas.openxmlformats.org/officeDocument/2006/relationships" xmlns:p="http://schemas.openxmlformats.org/presentationml/2006/main">
   <p:cSld>
     <p:spTree>
@@ -12884,7 +13008,7 @@
 </p:sld>
 </file>
 
-<file path=ppt/slides/slide11.xml><?xml version="1.0" encoding="utf-8"?>
+<file path=ppt/slides/slide12.xml><?xml version="1.0" encoding="utf-8"?>
 <p:sld xmlns:a="http://schemas.openxmlformats.org/drawingml/2006/main" xmlns:r="http://schemas.openxmlformats.org/officeDocument/2006/relationships" xmlns:p="http://schemas.openxmlformats.org/presentationml/2006/main">
   <p:cSld>
     <p:spTree>
@@ -12988,7 +13112,7 @@
 </p:sld>
 </file>
 
-<file path=ppt/slides/slide12.xml><?xml version="1.0" encoding="utf-8"?>
+<file path=ppt/slides/slide13.xml><?xml version="1.0" encoding="utf-8"?>
 <p:sld xmlns:a="http://schemas.openxmlformats.org/drawingml/2006/main" xmlns:r="http://schemas.openxmlformats.org/officeDocument/2006/relationships" xmlns:p="http://schemas.openxmlformats.org/presentationml/2006/main">
   <p:cSld>
     <p:spTree>
@@ -13119,7 +13243,7 @@
 </p:sld>
 </file>
 
-<file path=ppt/slides/slide13.xml><?xml version="1.0" encoding="utf-8"?>
+<file path=ppt/slides/slide14.xml><?xml version="1.0" encoding="utf-8"?>
 <p:sld xmlns:a="http://schemas.openxmlformats.org/drawingml/2006/main" xmlns:r="http://schemas.openxmlformats.org/officeDocument/2006/relationships" xmlns:p="http://schemas.openxmlformats.org/presentationml/2006/main">
   <p:cSld>
     <p:spTree>
@@ -13571,7 +13695,7 @@
 </p:sld>
 </file>
 
-<file path=ppt/slides/slide14.xml><?xml version="1.0" encoding="utf-8"?>
+<file path=ppt/slides/slide15.xml><?xml version="1.0" encoding="utf-8"?>
 <p:sld xmlns:a="http://schemas.openxmlformats.org/drawingml/2006/main" xmlns:r="http://schemas.openxmlformats.org/officeDocument/2006/relationships" xmlns:p="http://schemas.openxmlformats.org/presentationml/2006/main">
   <p:cSld>
     <p:spTree>
@@ -13675,7 +13799,7 @@
 </p:sld>
 </file>
 
-<file path=ppt/slides/slide15.xml><?xml version="1.0" encoding="utf-8"?>
+<file path=ppt/slides/slide16.xml><?xml version="1.0" encoding="utf-8"?>
 <p:sld xmlns:a="http://schemas.openxmlformats.org/drawingml/2006/main" xmlns:r="http://schemas.openxmlformats.org/officeDocument/2006/relationships" xmlns:p="http://schemas.openxmlformats.org/presentationml/2006/main">
   <p:cSld>
     <p:spTree>
@@ -14206,7 +14330,7 @@
 </p:sld>
 </file>
 
-<file path=ppt/slides/slide16.xml><?xml version="1.0" encoding="utf-8"?>
+<file path=ppt/slides/slide17.xml><?xml version="1.0" encoding="utf-8"?>
 <p:sld xmlns:a="http://schemas.openxmlformats.org/drawingml/2006/main" xmlns:r="http://schemas.openxmlformats.org/officeDocument/2006/relationships" xmlns:p="http://schemas.openxmlformats.org/presentationml/2006/main">
   <p:cSld>
     <p:spTree>
@@ -14261,55 +14385,17 @@
           <a:bodyPr/>
           <a:lstStyle/>
           <a:p>
+            <a:pPr marL="0" indent="0">
+              <a:buNone/>
+            </a:pPr>
             <a:r>
               <a:rPr lang="ru-RU" dirty="0" smtClean="0"/>
-              <a:t>Хорошая среда разработки – это когда программист </a:t>
-            </a:r>
-            <a:r>
-              <a:rPr lang="ru-RU" dirty="0"/>
-              <a:t>может вечером сесть в кресло, включить приятную музыку, налить бокал вина, и прочитать программу как будто бы он читал интересную </a:t>
-            </a:r>
-            <a:r>
-              <a:rPr lang="ru-RU" dirty="0" smtClean="0"/>
-              <a:t>книжку</a:t>
+              <a:t>Признак хорошо настроенной среды разработки - программист получает удовольствие от работы в ней</a:t>
             </a:r>
             <a:endParaRPr lang="ru-RU" dirty="0"/>
           </a:p>
         </p:txBody>
       </p:sp>
-      <p:pic>
-        <p:nvPicPr>
-          <p:cNvPr id="4" name="Рисунок 3" descr="C:\Users\riskulov\Desktop\wine.jpg"/>
-          <p:cNvPicPr/>
-          <p:nvPr/>
-        </p:nvPicPr>
-        <p:blipFill>
-          <a:blip r:embed="rId2">
-            <a:extLst>
-              <a:ext uri="{28A0092B-C50C-407E-A947-70E740481C1C}">
-                <a14:useLocalDpi xmlns:a14="http://schemas.microsoft.com/office/drawing/2010/main" val="0"/>
-              </a:ext>
-            </a:extLst>
-          </a:blip>
-          <a:srcRect/>
-          <a:stretch>
-            <a:fillRect/>
-          </a:stretch>
-        </p:blipFill>
-        <p:spPr bwMode="auto">
-          <a:xfrm>
-            <a:off x="3510799" y="4289425"/>
-            <a:ext cx="2454910" cy="1654175"/>
-          </a:xfrm>
-          <a:prstGeom prst="rect">
-            <a:avLst/>
-          </a:prstGeom>
-          <a:noFill/>
-          <a:ln>
-            <a:noFill/>
-          </a:ln>
-        </p:spPr>
-      </p:pic>
     </p:spTree>
     <p:extLst>
       <p:ext uri="{BB962C8B-B14F-4D97-AF65-F5344CB8AC3E}">
@@ -14330,7 +14416,7 @@
 </p:sld>
 </file>
 
-<file path=ppt/slides/slide17.xml><?xml version="1.0" encoding="utf-8"?>
+<file path=ppt/slides/slide18.xml><?xml version="1.0" encoding="utf-8"?>
 <p:sld xmlns:a="http://schemas.openxmlformats.org/drawingml/2006/main" xmlns:r="http://schemas.openxmlformats.org/officeDocument/2006/relationships" xmlns:p="http://schemas.openxmlformats.org/presentationml/2006/main">
   <p:cSld>
     <p:spTree>
@@ -14357,7 +14443,12 @@
             <p:ph type="title"/>
           </p:nvPr>
         </p:nvSpPr>
-        <p:spPr/>
+        <p:spPr>
+          <a:xfrm>
+            <a:off x="1880322" y="2419609"/>
+            <a:ext cx="9905998" cy="1478570"/>
+          </a:xfrm>
+        </p:spPr>
         <p:txBody>
           <a:bodyPr/>
           <a:lstStyle/>
@@ -14428,7 +14519,7 @@
         </p:blipFill>
         <p:spPr bwMode="auto">
           <a:xfrm>
-            <a:off x="2937164" y="2539133"/>
+            <a:off x="3241963" y="1902692"/>
             <a:ext cx="4692072" cy="2680712"/>
           </a:xfrm>
           <a:prstGeom prst="rect">
@@ -14467,6 +14558,90 @@
               <a:t>Что такое состояние потока?</a:t>
             </a:r>
             <a:endParaRPr lang="ru-RU" dirty="0"/>
+          </a:p>
+        </p:txBody>
+      </p:sp>
+      <p:sp>
+        <p:nvSpPr>
+          <p:cNvPr id="4" name="Объект 2"/>
+          <p:cNvSpPr>
+            <a:spLocks noGrp="1"/>
+          </p:cNvSpPr>
+          <p:nvPr>
+            <p:ph idx="1"/>
+          </p:nvPr>
+        </p:nvSpPr>
+        <p:spPr>
+          <a:xfrm>
+            <a:off x="1141412" y="4854142"/>
+            <a:ext cx="9905999" cy="1592840"/>
+          </a:xfrm>
+        </p:spPr>
+        <p:txBody>
+          <a:bodyPr>
+            <a:normAutofit fontScale="92500"/>
+          </a:bodyPr>
+          <a:lstStyle/>
+          <a:p>
+            <a:pPr marL="0" indent="0">
+              <a:buNone/>
+            </a:pPr>
+            <a:r>
+              <a:rPr lang="ru-RU" dirty="0"/>
+              <a:t>П</a:t>
+            </a:r>
+            <a:r>
+              <a:rPr lang="ru-RU" dirty="0" smtClean="0"/>
+              <a:t>сихическое состояние, </a:t>
+            </a:r>
+            <a:r>
+              <a:rPr lang="ru-RU" dirty="0"/>
+              <a:t>в котором человек полностью </a:t>
+            </a:r>
+            <a:r>
+              <a:rPr lang="ru-RU" dirty="0" smtClean="0"/>
+              <a:t>включён</a:t>
+            </a:r>
+            <a:br>
+              <a:rPr lang="ru-RU" dirty="0" smtClean="0"/>
+            </a:br>
+            <a:r>
+              <a:rPr lang="ru-RU" dirty="0" smtClean="0"/>
+              <a:t>в </a:t>
+            </a:r>
+            <a:r>
+              <a:rPr lang="ru-RU" dirty="0"/>
+              <a:t>то, чем он занимается, что характеризуется </a:t>
+            </a:r>
+            <a:r>
+              <a:rPr lang="ru-RU" dirty="0" smtClean="0"/>
+              <a:t>сосредоточением</a:t>
+            </a:r>
+            <a:r>
+              <a:rPr lang="ru-RU" dirty="0"/>
+              <a:t>, полным вовлечением в </a:t>
+            </a:r>
+            <a:r>
+              <a:rPr lang="ru-RU" dirty="0" smtClean="0"/>
+              <a:t>процесс</a:t>
+            </a:r>
+            <a:r>
+              <a:rPr lang="ru-RU" dirty="0"/>
+              <a:t> </a:t>
+            </a:r>
+            <a:r>
+              <a:rPr lang="ru-RU" dirty="0" smtClean="0"/>
+              <a:t>деятельности (</a:t>
+            </a:r>
+            <a:r>
+              <a:rPr lang="ru-RU" i="1" dirty="0"/>
+              <a:t>В</a:t>
+            </a:r>
+            <a:r>
+              <a:rPr lang="ru-RU" i="1" dirty="0" smtClean="0"/>
+              <a:t>икипедия)</a:t>
+            </a:r>
+            <a:endParaRPr lang="ru-RU" i="1" dirty="0"/>
           </a:p>
         </p:txBody>
       </p:sp>
@@ -14547,34 +14722,40 @@
           <a:p>
             <a:r>
               <a:rPr lang="ru-RU" dirty="0"/>
-              <a:t>В состоянии потока разработчика максимальная производительность </a:t>
+              <a:t>В состоянии потока </a:t>
+            </a:r>
+            <a:r>
+              <a:rPr lang="ru-RU" dirty="0" smtClean="0"/>
+              <a:t>у разработчика </a:t>
+            </a:r>
+            <a:r>
+              <a:rPr lang="ru-RU" dirty="0"/>
+              <a:t>максимальная производительность </a:t>
             </a:r>
             <a:r>
               <a:rPr lang="ru-RU" dirty="0" smtClean="0"/>
               <a:t>труда</a:t>
             </a:r>
-            <a:endParaRPr lang="ru-RU" dirty="0" smtClean="0"/>
           </a:p>
           <a:p>
             <a:r>
               <a:rPr lang="ru-RU" dirty="0" smtClean="0"/>
-              <a:t>Нужно </a:t>
+              <a:t>Нужно время что бы в него </a:t>
             </a:r>
             <a:r>
               <a:rPr lang="ru-RU" dirty="0" smtClean="0"/>
-              <a:t>время что бы в него зайти (примерно 15 мин)</a:t>
-            </a:r>
-          </a:p>
-          <a:p>
+              <a:t>войти </a:t>
+            </a:r>
             <a:r>
               <a:rPr lang="ru-RU" dirty="0" smtClean="0"/>
-              <a:t>Легко </a:t>
-            </a:r>
+              <a:t>(примерно 15 мин)</a:t>
+            </a:r>
+          </a:p>
+          <a:p>
             <a:r>
               <a:rPr lang="ru-RU" dirty="0" smtClean="0"/>
-              <a:t>сбить</a:t>
-            </a:r>
-            <a:endParaRPr lang="ru-RU" dirty="0" smtClean="0"/>
+              <a:t>Легко сбить</a:t>
+            </a:r>
           </a:p>
         </p:txBody>
       </p:sp>
@@ -14632,7 +14813,7 @@
           <a:p>
             <a:r>
               <a:rPr lang="ru-RU" dirty="0" smtClean="0"/>
-              <a:t>УДЕЛЯЕМ ВНИМАНИЕ ТАКИМ ВЕЩАМ</a:t>
+              <a:t>Поэтому УДЕЛЯЕМ ВНИМАНИЕ</a:t>
             </a:r>
             <a:endParaRPr lang="ru-RU" dirty="0"/>
           </a:p>
@@ -14657,7 +14838,6 @@
               <a:rPr lang="ru-RU" dirty="0" smtClean="0"/>
               <a:t>Тихий кабинет</a:t>
             </a:r>
-            <a:endParaRPr lang="ru-RU" dirty="0" smtClean="0"/>
           </a:p>
           <a:p>
             <a:r>
@@ -14667,10 +14847,10 @@
           </a:p>
           <a:p>
             <a:r>
-              <a:rPr lang="ru-RU" u="sng" dirty="0" smtClean="0"/>
+              <a:rPr lang="ru-RU" dirty="0" smtClean="0"/>
               <a:t>Среда разработки</a:t>
             </a:r>
-            <a:endParaRPr lang="ru-RU" u="sng" dirty="0"/>
+            <a:endParaRPr lang="ru-RU" dirty="0"/>
           </a:p>
         </p:txBody>
       </p:sp>
@@ -14727,8 +14907,8 @@
           <a:lstStyle/>
           <a:p>
             <a:r>
-              <a:rPr lang="ru-RU" dirty="0" smtClean="0"/>
-              <a:t>Инструменты Среды РАЗРАБОТКИ</a:t>
+              <a:rPr lang="ru-RU" dirty="0"/>
+              <a:t>Поэтому УДЕЛЯЕМ ВНИМАНИЕ</a:t>
             </a:r>
             <a:endParaRPr lang="ru-RU" dirty="0"/>
           </a:p>
@@ -14751,37 +14931,28 @@
           <a:p>
             <a:r>
               <a:rPr lang="ru-RU" dirty="0" smtClean="0"/>
-              <a:t>Настройка окружения</a:t>
+              <a:t>Тихий кабинет</a:t>
             </a:r>
           </a:p>
           <a:p>
             <a:r>
               <a:rPr lang="ru-RU" dirty="0" smtClean="0"/>
-              <a:t>Навигация</a:t>
-            </a:r>
-          </a:p>
-          <a:p>
-            <a:r>
-              <a:rPr lang="ru-RU" dirty="0" err="1" smtClean="0"/>
-              <a:t>Рефакторинг</a:t>
-            </a:r>
-            <a:endParaRPr lang="ru-RU" dirty="0" smtClean="0"/>
-          </a:p>
-          <a:p>
-            <a:r>
-              <a:rPr lang="ru-RU" dirty="0" smtClean="0"/>
-              <a:t>Анализ</a:t>
-            </a:r>
-          </a:p>
-          <a:p>
-            <a:endParaRPr lang="ru-RU" dirty="0"/>
+              <a:t>Здоровье </a:t>
+            </a:r>
+          </a:p>
+          <a:p>
+            <a:r>
+              <a:rPr lang="ru-RU" u="sng" dirty="0" smtClean="0"/>
+              <a:t>Среда разработки</a:t>
+            </a:r>
+            <a:endParaRPr lang="ru-RU" u="sng" dirty="0"/>
           </a:p>
         </p:txBody>
       </p:sp>
     </p:spTree>
     <p:extLst>
       <p:ext uri="{BB962C8B-B14F-4D97-AF65-F5344CB8AC3E}">
-        <p14:creationId xmlns:p14="http://schemas.microsoft.com/office/powerpoint/2010/main" val="880889035"/>
+        <p14:creationId xmlns:p14="http://schemas.microsoft.com/office/powerpoint/2010/main" val="2853908894"/>
       </p:ext>
     </p:extLst>
   </p:cSld>
@@ -14832,7 +15003,11 @@
           <a:p>
             <a:r>
               <a:rPr lang="ru-RU" dirty="0" smtClean="0"/>
-              <a:t>Инструменты Среды РАЗРАБОТКИ</a:t>
+              <a:t>Среда </a:t>
+            </a:r>
+            <a:r>
+              <a:rPr lang="ru-RU" dirty="0" smtClean="0"/>
+              <a:t>РАЗРАБОТКИ</a:t>
             </a:r>
             <a:endParaRPr lang="ru-RU" dirty="0"/>
           </a:p>
@@ -14854,7 +15029,7 @@
           <a:lstStyle/>
           <a:p>
             <a:r>
-              <a:rPr lang="ru-RU" u="sng" dirty="0" smtClean="0"/>
+              <a:rPr lang="ru-RU" dirty="0" smtClean="0"/>
               <a:t>Настройка окружения</a:t>
             </a:r>
           </a:p>
@@ -14885,7 +15060,7 @@
     </p:spTree>
     <p:extLst>
       <p:ext uri="{BB962C8B-B14F-4D97-AF65-F5344CB8AC3E}">
-        <p14:creationId xmlns:p14="http://schemas.microsoft.com/office/powerpoint/2010/main" val="3020704749"/>
+        <p14:creationId xmlns:p14="http://schemas.microsoft.com/office/powerpoint/2010/main" val="880889035"/>
       </p:ext>
     </p:extLst>
   </p:cSld>
@@ -14935,8 +15110,8 @@
           <a:lstStyle/>
           <a:p>
             <a:r>
-              <a:rPr lang="ru-RU" dirty="0" smtClean="0"/>
-              <a:t>Настройка окружения</a:t>
+              <a:rPr lang="ru-RU" dirty="0"/>
+              <a:t>Среда РАЗРАБОТКИ</a:t>
             </a:r>
             <a:endParaRPr lang="ru-RU" dirty="0"/>
           </a:p>
@@ -14958,34 +15133,30 @@
           <a:lstStyle/>
           <a:p>
             <a:r>
+              <a:rPr lang="ru-RU" u="sng" dirty="0" smtClean="0"/>
+              <a:t>Настройка окружения</a:t>
+            </a:r>
+          </a:p>
+          <a:p>
+            <a:r>
               <a:rPr lang="ru-RU" dirty="0" smtClean="0"/>
-              <a:t>Темная </a:t>
-            </a:r>
+              <a:t>Навигация</a:t>
+            </a:r>
+          </a:p>
+          <a:p>
+            <a:r>
+              <a:rPr lang="ru-RU" dirty="0" err="1" smtClean="0"/>
+              <a:t>Рефакторинг</a:t>
+            </a:r>
+            <a:endParaRPr lang="ru-RU" dirty="0" smtClean="0"/>
+          </a:p>
+          <a:p>
             <a:r>
               <a:rPr lang="ru-RU" dirty="0" smtClean="0"/>
-              <a:t>тема (я использую </a:t>
-            </a:r>
-            <a:r>
-              <a:rPr lang="en-US" dirty="0"/>
-              <a:t>R</a:t>
-            </a:r>
-            <a:r>
-              <a:rPr lang="en-US" dirty="0" smtClean="0"/>
-              <a:t>ider Dark)</a:t>
-            </a:r>
-            <a:endParaRPr lang="ru-RU" dirty="0" smtClean="0"/>
-          </a:p>
-          <a:p>
-            <a:r>
-              <a:rPr lang="ru-RU" dirty="0" smtClean="0"/>
-              <a:t>Горячие клавиши</a:t>
-            </a:r>
-          </a:p>
-          <a:p>
-            <a:r>
-              <a:rPr lang="en-US" dirty="0" err="1" smtClean="0"/>
-              <a:t>Resharper</a:t>
-            </a:r>
+              <a:t>Анализ</a:t>
+            </a:r>
+          </a:p>
+          <a:p>
             <a:endParaRPr lang="ru-RU" dirty="0"/>
           </a:p>
         </p:txBody>
@@ -14993,7 +15164,7 @@
     </p:spTree>
     <p:extLst>
       <p:ext uri="{BB962C8B-B14F-4D97-AF65-F5344CB8AC3E}">
-        <p14:creationId xmlns:p14="http://schemas.microsoft.com/office/powerpoint/2010/main" val="3210994326"/>
+        <p14:creationId xmlns:p14="http://schemas.microsoft.com/office/powerpoint/2010/main" val="3020704749"/>
       </p:ext>
     </p:extLst>
   </p:cSld>
@@ -15044,7 +15215,7 @@
           <a:p>
             <a:r>
               <a:rPr lang="ru-RU" dirty="0" smtClean="0"/>
-              <a:t>Инструменты Среды РАЗРАБОТКИ</a:t>
+              <a:t>Настройка окружения</a:t>
             </a:r>
             <a:endParaRPr lang="ru-RU" dirty="0"/>
           </a:p>
@@ -15067,29 +15238,29 @@
           <a:p>
             <a:r>
               <a:rPr lang="ru-RU" dirty="0" smtClean="0"/>
-              <a:t>Настройка окружения</a:t>
-            </a:r>
-          </a:p>
-          <a:p>
-            <a:r>
-              <a:rPr lang="ru-RU" u="sng" dirty="0" smtClean="0"/>
-              <a:t>Навигация</a:t>
-            </a:r>
-          </a:p>
-          <a:p>
-            <a:r>
-              <a:rPr lang="ru-RU" dirty="0" err="1" smtClean="0"/>
-              <a:t>Рефакторинг</a:t>
+              <a:t>Темная тема (я использую </a:t>
+            </a:r>
+            <a:r>
+              <a:rPr lang="en-US" dirty="0"/>
+              <a:t>R</a:t>
+            </a:r>
+            <a:r>
+              <a:rPr lang="en-US" dirty="0" smtClean="0"/>
+              <a:t>ider Dark)</a:t>
             </a:r>
             <a:endParaRPr lang="ru-RU" dirty="0" smtClean="0"/>
           </a:p>
           <a:p>
             <a:r>
               <a:rPr lang="ru-RU" dirty="0" smtClean="0"/>
-              <a:t>Анализ</a:t>
-            </a:r>
-          </a:p>
-          <a:p>
+              <a:t>Горячие клавиши</a:t>
+            </a:r>
+          </a:p>
+          <a:p>
+            <a:r>
+              <a:rPr lang="en-US" dirty="0" err="1" smtClean="0"/>
+              <a:t>Resharper</a:t>
+            </a:r>
             <a:endParaRPr lang="ru-RU" dirty="0"/>
           </a:p>
         </p:txBody>
@@ -15097,7 +15268,7 @@
     </p:spTree>
     <p:extLst>
       <p:ext uri="{BB962C8B-B14F-4D97-AF65-F5344CB8AC3E}">
-        <p14:creationId xmlns:p14="http://schemas.microsoft.com/office/powerpoint/2010/main" val="847960244"/>
+        <p14:creationId xmlns:p14="http://schemas.microsoft.com/office/powerpoint/2010/main" val="3210994326"/>
       </p:ext>
     </p:extLst>
   </p:cSld>
@@ -15148,71 +15319,52 @@
           <a:p>
             <a:r>
               <a:rPr lang="ru-RU" dirty="0" smtClean="0"/>
-              <a:t>навигация</a:t>
+              <a:t>Инструменты Среды РАЗРАБОТКИ</a:t>
             </a:r>
             <a:endParaRPr lang="ru-RU" dirty="0"/>
           </a:p>
         </p:txBody>
       </p:sp>
-      <p:pic>
-        <p:nvPicPr>
-          <p:cNvPr id="4" name="Рисунок 3" descr="C:\Users\riskulov\Desktop\2gis.jpg"/>
-          <p:cNvPicPr/>
-          <p:nvPr/>
-        </p:nvPicPr>
-        <p:blipFill>
-          <a:blip r:embed="rId2">
-            <a:extLst>
-              <a:ext uri="{28A0092B-C50C-407E-A947-70E740481C1C}">
-                <a14:useLocalDpi xmlns:a14="http://schemas.microsoft.com/office/drawing/2010/main" val="0"/>
-              </a:ext>
-            </a:extLst>
-          </a:blip>
-          <a:srcRect/>
-          <a:stretch>
-            <a:fillRect/>
-          </a:stretch>
-        </p:blipFill>
-        <p:spPr bwMode="auto">
-          <a:xfrm>
-            <a:off x="1256146" y="1912422"/>
-            <a:ext cx="7315200" cy="4101018"/>
-          </a:xfrm>
-          <a:prstGeom prst="rect">
-            <a:avLst/>
-          </a:prstGeom>
-          <a:noFill/>
-          <a:ln>
-            <a:noFill/>
-          </a:ln>
-        </p:spPr>
-      </p:pic>
       <p:sp>
         <p:nvSpPr>
-          <p:cNvPr id="5" name="TextBox 4"/>
-          <p:cNvSpPr txBox="1"/>
-          <p:nvPr/>
+          <p:cNvPr id="3" name="Объект 2"/>
+          <p:cNvSpPr>
+            <a:spLocks noGrp="1"/>
+          </p:cNvSpPr>
+          <p:nvPr>
+            <p:ph idx="1"/>
+          </p:nvPr>
         </p:nvSpPr>
-        <p:spPr>
-          <a:xfrm>
-            <a:off x="1256146" y="6198156"/>
-            <a:ext cx="5333511" cy="369332"/>
-          </a:xfrm>
-          <a:prstGeom prst="rect">
-            <a:avLst/>
-          </a:prstGeom>
-          <a:noFill/>
-        </p:spPr>
+        <p:spPr/>
         <p:txBody>
-          <a:bodyPr wrap="none" rtlCol="0">
-            <a:spAutoFit/>
-          </a:bodyPr>
+          <a:bodyPr/>
           <a:lstStyle/>
           <a:p>
             <a:r>
               <a:rPr lang="ru-RU" dirty="0" smtClean="0"/>
-              <a:t>Пример инструмента с хорошей навигацией</a:t>
-            </a:r>
+              <a:t>Настройка окружения</a:t>
+            </a:r>
+          </a:p>
+          <a:p>
+            <a:r>
+              <a:rPr lang="ru-RU" u="sng" dirty="0" smtClean="0"/>
+              <a:t>Навигация</a:t>
+            </a:r>
+          </a:p>
+          <a:p>
+            <a:r>
+              <a:rPr lang="ru-RU" dirty="0" err="1" smtClean="0"/>
+              <a:t>Рефакторинг</a:t>
+            </a:r>
+            <a:endParaRPr lang="ru-RU" dirty="0" smtClean="0"/>
+          </a:p>
+          <a:p>
+            <a:r>
+              <a:rPr lang="ru-RU" dirty="0" smtClean="0"/>
+              <a:t>Анализ</a:t>
+            </a:r>
+          </a:p>
+          <a:p>
             <a:endParaRPr lang="ru-RU" dirty="0"/>
           </a:p>
         </p:txBody>
@@ -15220,7 +15372,7 @@
     </p:spTree>
     <p:extLst>
       <p:ext uri="{BB962C8B-B14F-4D97-AF65-F5344CB8AC3E}">
-        <p14:creationId xmlns:p14="http://schemas.microsoft.com/office/powerpoint/2010/main" val="4061463154"/>
+        <p14:creationId xmlns:p14="http://schemas.microsoft.com/office/powerpoint/2010/main" val="847960244"/>
       </p:ext>
     </p:extLst>
   </p:cSld>
